--- a/docs/diagrams/RemarkSequenceDiagram.pptx
+++ b/docs/diagrams/RemarkSequenceDiagram.pptx
@@ -208,7 +208,7 @@
           <a:p>
             <a:fld id="{F5CC4B3F-88C1-4FFA-B1B6-F41C21DC6924}" type="datetimeFigureOut">
               <a:rPr lang="en-US" smtClean="0"/>
-              <a:t>11/2/17</a:t>
+              <a:t>11/13/17</a:t>
             </a:fld>
             <a:endParaRPr lang="en-US"/>
           </a:p>
@@ -654,7 +654,7 @@
           <a:p>
             <a:fld id="{78C97017-6FC3-485B-9764-EAC9E56C1D49}" type="datetimeFigureOut">
               <a:rPr lang="en-US" smtClean="0"/>
-              <a:t>11/2/17</a:t>
+              <a:t>11/13/17</a:t>
             </a:fld>
             <a:endParaRPr lang="en-US"/>
           </a:p>
@@ -822,7 +822,7 @@
           <a:p>
             <a:fld id="{78C97017-6FC3-485B-9764-EAC9E56C1D49}" type="datetimeFigureOut">
               <a:rPr lang="en-US" smtClean="0"/>
-              <a:t>11/2/17</a:t>
+              <a:t>11/13/17</a:t>
             </a:fld>
             <a:endParaRPr lang="en-US"/>
           </a:p>
@@ -1000,7 +1000,7 @@
           <a:p>
             <a:fld id="{78C97017-6FC3-485B-9764-EAC9E56C1D49}" type="datetimeFigureOut">
               <a:rPr lang="en-US" smtClean="0"/>
-              <a:t>11/2/17</a:t>
+              <a:t>11/13/17</a:t>
             </a:fld>
             <a:endParaRPr lang="en-US"/>
           </a:p>
@@ -1168,7 +1168,7 @@
           <a:p>
             <a:fld id="{78C97017-6FC3-485B-9764-EAC9E56C1D49}" type="datetimeFigureOut">
               <a:rPr lang="en-US" smtClean="0"/>
-              <a:t>11/2/17</a:t>
+              <a:t>11/13/17</a:t>
             </a:fld>
             <a:endParaRPr lang="en-US"/>
           </a:p>
@@ -1413,7 +1413,7 @@
           <a:p>
             <a:fld id="{78C97017-6FC3-485B-9764-EAC9E56C1D49}" type="datetimeFigureOut">
               <a:rPr lang="en-US" smtClean="0"/>
-              <a:t>11/2/17</a:t>
+              <a:t>11/13/17</a:t>
             </a:fld>
             <a:endParaRPr lang="en-US"/>
           </a:p>
@@ -1698,7 +1698,7 @@
           <a:p>
             <a:fld id="{78C97017-6FC3-485B-9764-EAC9E56C1D49}" type="datetimeFigureOut">
               <a:rPr lang="en-US" smtClean="0"/>
-              <a:t>11/2/17</a:t>
+              <a:t>11/13/17</a:t>
             </a:fld>
             <a:endParaRPr lang="en-US"/>
           </a:p>
@@ -2117,7 +2117,7 @@
           <a:p>
             <a:fld id="{78C97017-6FC3-485B-9764-EAC9E56C1D49}" type="datetimeFigureOut">
               <a:rPr lang="en-US" smtClean="0"/>
-              <a:t>11/2/17</a:t>
+              <a:t>11/13/17</a:t>
             </a:fld>
             <a:endParaRPr lang="en-US"/>
           </a:p>
@@ -2234,7 +2234,7 @@
           <a:p>
             <a:fld id="{78C97017-6FC3-485B-9764-EAC9E56C1D49}" type="datetimeFigureOut">
               <a:rPr lang="en-US" smtClean="0"/>
-              <a:t>11/2/17</a:t>
+              <a:t>11/13/17</a:t>
             </a:fld>
             <a:endParaRPr lang="en-US"/>
           </a:p>
@@ -2329,7 +2329,7 @@
           <a:p>
             <a:fld id="{78C97017-6FC3-485B-9764-EAC9E56C1D49}" type="datetimeFigureOut">
               <a:rPr lang="en-US" smtClean="0"/>
-              <a:t>11/2/17</a:t>
+              <a:t>11/13/17</a:t>
             </a:fld>
             <a:endParaRPr lang="en-US"/>
           </a:p>
@@ -2604,7 +2604,7 @@
           <a:p>
             <a:fld id="{78C97017-6FC3-485B-9764-EAC9E56C1D49}" type="datetimeFigureOut">
               <a:rPr lang="en-US" smtClean="0"/>
-              <a:t>11/2/17</a:t>
+              <a:t>11/13/17</a:t>
             </a:fld>
             <a:endParaRPr lang="en-US"/>
           </a:p>
@@ -2856,7 +2856,7 @@
           <a:p>
             <a:fld id="{78C97017-6FC3-485B-9764-EAC9E56C1D49}" type="datetimeFigureOut">
               <a:rPr lang="en-US" smtClean="0"/>
-              <a:t>11/2/17</a:t>
+              <a:t>11/13/17</a:t>
             </a:fld>
             <a:endParaRPr lang="en-US"/>
           </a:p>
@@ -3067,7 +3067,7 @@
           <a:p>
             <a:fld id="{78C97017-6FC3-485B-9764-EAC9E56C1D49}" type="datetimeFigureOut">
               <a:rPr lang="en-US" smtClean="0"/>
-              <a:t>11/2/17</a:t>
+              <a:t>11/13/17</a:t>
             </a:fld>
             <a:endParaRPr lang="en-US"/>
           </a:p>
@@ -3904,8 +3904,8 @@
         </p:nvSpPr>
         <p:spPr>
           <a:xfrm>
-            <a:off x="-324085" y="762000"/>
-            <a:ext cx="1692507" cy="430887"/>
+            <a:off x="-35934" y="818908"/>
+            <a:ext cx="2031620" cy="369332"/>
           </a:xfrm>
           <a:prstGeom prst="rect">
             <a:avLst/>
@@ -3918,9 +3918,8 @@
           </a:bodyPr>
           <a:lstStyle/>
           <a:p>
-            <a:pPr algn="r"/>
-            <a:r>
-              <a:rPr lang="en-US" sz="1400" dirty="0" err="1" smtClean="0">
+            <a:r>
+              <a:rPr lang="en-US" sz="1200" dirty="0" err="1" smtClean="0">
                 <a:solidFill>
                   <a:srgbClr val="0070C0"/>
                 </a:solidFill>
@@ -3928,7 +3927,7 @@
               <a:t>updatePerson</a:t>
             </a:r>
             <a:r>
-              <a:rPr lang="en-US" sz="1400" dirty="0" smtClean="0">
+              <a:rPr lang="en-US" sz="1200" dirty="0" smtClean="0">
                 <a:solidFill>
                   <a:srgbClr val="0070C0"/>
                 </a:solidFill>
@@ -3936,14 +3935,14 @@
               <a:t>(target, </a:t>
             </a:r>
             <a:r>
-              <a:rPr lang="en-US" sz="1400" dirty="0" err="1" smtClean="0">
+              <a:rPr lang="en-US" sz="1200" dirty="0" err="1" smtClean="0">
                 <a:solidFill>
                   <a:srgbClr val="0070C0"/>
                 </a:solidFill>
               </a:rPr>
               <a:t>editedReadOnlyPerson</a:t>
             </a:r>
-            <a:endParaRPr lang="en-US" sz="1400" dirty="0">
+            <a:endParaRPr lang="en-US" sz="1200" dirty="0">
               <a:solidFill>
                 <a:srgbClr val="0070C0"/>
               </a:solidFill>
@@ -4034,7 +4033,7 @@
         <p:spPr>
           <a:xfrm>
             <a:off x="1447800" y="990600"/>
-            <a:ext cx="2547344" cy="215444"/>
+            <a:ext cx="2547344" cy="184666"/>
           </a:xfrm>
           <a:prstGeom prst="rect">
             <a:avLst/>
@@ -4059,22 +4058,22 @@
           </a:lstStyle>
           <a:p>
             <a:r>
-              <a:rPr lang="en-US" dirty="0" err="1" smtClean="0"/>
+              <a:rPr lang="en-US" sz="1200" dirty="0" err="1" smtClean="0"/>
               <a:t>setPerson</a:t>
             </a:r>
             <a:r>
-              <a:rPr lang="en-US" dirty="0" smtClean="0"/>
+              <a:rPr lang="en-US" sz="1200" dirty="0" smtClean="0"/>
               <a:t>(target, </a:t>
             </a:r>
             <a:r>
-              <a:rPr lang="en-US" dirty="0" err="1" smtClean="0"/>
+              <a:rPr lang="en-US" sz="1200" dirty="0" err="1" smtClean="0"/>
               <a:t>editedPerson</a:t>
             </a:r>
             <a:r>
-              <a:rPr lang="en-US" dirty="0" smtClean="0"/>
+              <a:rPr lang="en-US" sz="1200" dirty="0" smtClean="0"/>
               <a:t>)</a:t>
             </a:r>
-            <a:endParaRPr lang="en-US" dirty="0"/>
+            <a:endParaRPr lang="en-US" sz="1200" dirty="0"/>
           </a:p>
         </p:txBody>
       </p:sp>
@@ -4150,7 +4149,7 @@
           <p:cNvPr id="67" name="Straight Arrow Connector 66">
             <a:extLst>
               <a:ext uri="{FF2B5EF4-FFF2-40B4-BE49-F238E27FC236}">
-                <a16:creationId xmlns:a16="http://schemas.microsoft.com/office/drawing/2014/main" xmlns="" id="{D881596E-177C-4FDC-8E60-CAB90B3D5FAB}"/>
+                <a16:creationId xmlns="" xmlns:a16="http://schemas.microsoft.com/office/drawing/2014/main" id="{D881596E-177C-4FDC-8E60-CAB90B3D5FAB}"/>
               </a:ext>
             </a:extLst>
           </p:cNvPr>
